--- a/Project Plan/Project Plan.pptx
+++ b/Project Plan/Project Plan.pptx
@@ -261,7 +261,7 @@
           <a:p>
             <a:fld id="{364ABBED-4F22-40B8-BE5F-5D9F189626EB}" type="datetimeFigureOut">
               <a:rPr lang="ko-KR" altLang="en-US" smtClean="0"/>
-              <a:t>2022-04-19</a:t>
+              <a:t>2022-04-20</a:t>
             </a:fld>
             <a:endParaRPr lang="ko-KR" altLang="en-US"/>
           </a:p>
@@ -459,7 +459,7 @@
           <a:p>
             <a:fld id="{364ABBED-4F22-40B8-BE5F-5D9F189626EB}" type="datetimeFigureOut">
               <a:rPr lang="ko-KR" altLang="en-US" smtClean="0"/>
-              <a:t>2022-04-19</a:t>
+              <a:t>2022-04-20</a:t>
             </a:fld>
             <a:endParaRPr lang="ko-KR" altLang="en-US"/>
           </a:p>
@@ -667,7 +667,7 @@
           <a:p>
             <a:fld id="{364ABBED-4F22-40B8-BE5F-5D9F189626EB}" type="datetimeFigureOut">
               <a:rPr lang="ko-KR" altLang="en-US" smtClean="0"/>
-              <a:t>2022-04-19</a:t>
+              <a:t>2022-04-20</a:t>
             </a:fld>
             <a:endParaRPr lang="ko-KR" altLang="en-US"/>
           </a:p>
@@ -865,7 +865,7 @@
           <a:p>
             <a:fld id="{364ABBED-4F22-40B8-BE5F-5D9F189626EB}" type="datetimeFigureOut">
               <a:rPr lang="ko-KR" altLang="en-US" smtClean="0"/>
-              <a:t>2022-04-19</a:t>
+              <a:t>2022-04-20</a:t>
             </a:fld>
             <a:endParaRPr lang="ko-KR" altLang="en-US"/>
           </a:p>
@@ -1140,7 +1140,7 @@
           <a:p>
             <a:fld id="{364ABBED-4F22-40B8-BE5F-5D9F189626EB}" type="datetimeFigureOut">
               <a:rPr lang="ko-KR" altLang="en-US" smtClean="0"/>
-              <a:t>2022-04-19</a:t>
+              <a:t>2022-04-20</a:t>
             </a:fld>
             <a:endParaRPr lang="ko-KR" altLang="en-US"/>
           </a:p>
@@ -1405,7 +1405,7 @@
           <a:p>
             <a:fld id="{364ABBED-4F22-40B8-BE5F-5D9F189626EB}" type="datetimeFigureOut">
               <a:rPr lang="ko-KR" altLang="en-US" smtClean="0"/>
-              <a:t>2022-04-19</a:t>
+              <a:t>2022-04-20</a:t>
             </a:fld>
             <a:endParaRPr lang="ko-KR" altLang="en-US"/>
           </a:p>
@@ -1817,7 +1817,7 @@
           <a:p>
             <a:fld id="{364ABBED-4F22-40B8-BE5F-5D9F189626EB}" type="datetimeFigureOut">
               <a:rPr lang="ko-KR" altLang="en-US" smtClean="0"/>
-              <a:t>2022-04-19</a:t>
+              <a:t>2022-04-20</a:t>
             </a:fld>
             <a:endParaRPr lang="ko-KR" altLang="en-US"/>
           </a:p>
@@ -1958,7 +1958,7 @@
           <a:p>
             <a:fld id="{364ABBED-4F22-40B8-BE5F-5D9F189626EB}" type="datetimeFigureOut">
               <a:rPr lang="ko-KR" altLang="en-US" smtClean="0"/>
-              <a:t>2022-04-19</a:t>
+              <a:t>2022-04-20</a:t>
             </a:fld>
             <a:endParaRPr lang="ko-KR" altLang="en-US"/>
           </a:p>
@@ -2071,7 +2071,7 @@
           <a:p>
             <a:fld id="{364ABBED-4F22-40B8-BE5F-5D9F189626EB}" type="datetimeFigureOut">
               <a:rPr lang="ko-KR" altLang="en-US" smtClean="0"/>
-              <a:t>2022-04-19</a:t>
+              <a:t>2022-04-20</a:t>
             </a:fld>
             <a:endParaRPr lang="ko-KR" altLang="en-US"/>
           </a:p>
@@ -2382,7 +2382,7 @@
           <a:p>
             <a:fld id="{364ABBED-4F22-40B8-BE5F-5D9F189626EB}" type="datetimeFigureOut">
               <a:rPr lang="ko-KR" altLang="en-US" smtClean="0"/>
-              <a:t>2022-04-19</a:t>
+              <a:t>2022-04-20</a:t>
             </a:fld>
             <a:endParaRPr lang="ko-KR" altLang="en-US"/>
           </a:p>
@@ -2670,7 +2670,7 @@
           <a:p>
             <a:fld id="{364ABBED-4F22-40B8-BE5F-5D9F189626EB}" type="datetimeFigureOut">
               <a:rPr lang="ko-KR" altLang="en-US" smtClean="0"/>
-              <a:t>2022-04-19</a:t>
+              <a:t>2022-04-20</a:t>
             </a:fld>
             <a:endParaRPr lang="ko-KR" altLang="en-US"/>
           </a:p>
@@ -2911,7 +2911,7 @@
           <a:p>
             <a:fld id="{364ABBED-4F22-40B8-BE5F-5D9F189626EB}" type="datetimeFigureOut">
               <a:rPr lang="ko-KR" altLang="en-US" smtClean="0"/>
-              <a:t>2022-04-19</a:t>
+              <a:t>2022-04-20</a:t>
             </a:fld>
             <a:endParaRPr lang="ko-KR" altLang="en-US"/>
           </a:p>
@@ -3756,6 +3756,11 @@
           <a:prstGeom prst="rect">
             <a:avLst/>
           </a:prstGeom>
+          <a:ln>
+            <a:solidFill>
+              <a:srgbClr val="00B050"/>
+            </a:solidFill>
+          </a:ln>
         </p:spPr>
         <p:style>
           <a:lnRef idx="2">
@@ -3806,13 +3811,13 @@
         </p:spPr>
         <p:style>
           <a:lnRef idx="2">
-            <a:schemeClr val="dk1"/>
+            <a:schemeClr val="accent1"/>
           </a:lnRef>
           <a:fillRef idx="1">
             <a:schemeClr val="lt1"/>
           </a:fillRef>
           <a:effectRef idx="0">
-            <a:schemeClr val="dk1"/>
+            <a:schemeClr val="accent1"/>
           </a:effectRef>
           <a:fontRef idx="minor">
             <a:schemeClr val="dk1"/>
